--- a/Presentations/Sept 5 - Class 1.pptx
+++ b/Presentations/Sept 5 - Class 1.pptx
@@ -2,7 +2,7 @@
 <file path=ppt/presentation.xml><?xml version="1.0" encoding="utf-8"?>
 <p:presentation xmlns:a="http://schemas.openxmlformats.org/drawingml/2006/main" xmlns:r="http://schemas.openxmlformats.org/officeDocument/2006/relationships" xmlns:p="http://schemas.openxmlformats.org/presentationml/2006/main" saveSubsetFonts="1">
   <p:sldMasterIdLst>
-    <p:sldMasterId id="2147483684" r:id="rId1"/>
+    <p:sldMasterId id="2147483732" r:id="rId1"/>
   </p:sldMasterIdLst>
   <p:sldIdLst>
     <p:sldId id="256" r:id="rId2"/>
@@ -16,10 +16,13 @@
     <p:sldId id="261" r:id="rId10"/>
     <p:sldId id="264" r:id="rId11"/>
     <p:sldId id="266" r:id="rId12"/>
-    <p:sldId id="268" r:id="rId13"/>
-    <p:sldId id="269" r:id="rId14"/>
-    <p:sldId id="270" r:id="rId15"/>
-    <p:sldId id="271" r:id="rId16"/>
+    <p:sldId id="272" r:id="rId13"/>
+    <p:sldId id="273" r:id="rId14"/>
+    <p:sldId id="274" r:id="rId15"/>
+    <p:sldId id="268" r:id="rId16"/>
+    <p:sldId id="269" r:id="rId17"/>
+    <p:sldId id="270" r:id="rId18"/>
+    <p:sldId id="271" r:id="rId19"/>
   </p:sldIdLst>
   <p:sldSz cx="12192000" cy="6858000"/>
   <p:notesSz cx="6858000" cy="9144000"/>
@@ -312,7 +315,7 @@
     </p:spTree>
     <p:extLst>
       <p:ext uri="{BB962C8B-B14F-4D97-AF65-F5344CB8AC3E}">
-        <p14:creationId xmlns:p14="http://schemas.microsoft.com/office/powerpoint/2010/main" val="767410022"/>
+        <p14:creationId xmlns:p14="http://schemas.microsoft.com/office/powerpoint/2010/main" val="1281075661"/>
       </p:ext>
     </p:extLst>
   </p:cSld>
@@ -482,7 +485,7 @@
     </p:spTree>
     <p:extLst>
       <p:ext uri="{BB962C8B-B14F-4D97-AF65-F5344CB8AC3E}">
-        <p14:creationId xmlns:p14="http://schemas.microsoft.com/office/powerpoint/2010/main" val="3524818792"/>
+        <p14:creationId xmlns:p14="http://schemas.microsoft.com/office/powerpoint/2010/main" val="1976354754"/>
       </p:ext>
     </p:extLst>
   </p:cSld>
@@ -662,7 +665,7 @@
     </p:spTree>
     <p:extLst>
       <p:ext uri="{BB962C8B-B14F-4D97-AF65-F5344CB8AC3E}">
-        <p14:creationId xmlns:p14="http://schemas.microsoft.com/office/powerpoint/2010/main" val="583832744"/>
+        <p14:creationId xmlns:p14="http://schemas.microsoft.com/office/powerpoint/2010/main" val="3214721902"/>
       </p:ext>
     </p:extLst>
   </p:cSld>
@@ -832,7 +835,7 @@
     </p:spTree>
     <p:extLst>
       <p:ext uri="{BB962C8B-B14F-4D97-AF65-F5344CB8AC3E}">
-        <p14:creationId xmlns:p14="http://schemas.microsoft.com/office/powerpoint/2010/main" val="1386062228"/>
+        <p14:creationId xmlns:p14="http://schemas.microsoft.com/office/powerpoint/2010/main" val="2634328155"/>
       </p:ext>
     </p:extLst>
   </p:cSld>
@@ -1078,7 +1081,7 @@
     </p:spTree>
     <p:extLst>
       <p:ext uri="{BB962C8B-B14F-4D97-AF65-F5344CB8AC3E}">
-        <p14:creationId xmlns:p14="http://schemas.microsoft.com/office/powerpoint/2010/main" val="2583478213"/>
+        <p14:creationId xmlns:p14="http://schemas.microsoft.com/office/powerpoint/2010/main" val="2716568055"/>
       </p:ext>
     </p:extLst>
   </p:cSld>
@@ -1310,7 +1313,7 @@
     </p:spTree>
     <p:extLst>
       <p:ext uri="{BB962C8B-B14F-4D97-AF65-F5344CB8AC3E}">
-        <p14:creationId xmlns:p14="http://schemas.microsoft.com/office/powerpoint/2010/main" val="4092519825"/>
+        <p14:creationId xmlns:p14="http://schemas.microsoft.com/office/powerpoint/2010/main" val="907205695"/>
       </p:ext>
     </p:extLst>
   </p:cSld>
@@ -1677,7 +1680,7 @@
     </p:spTree>
     <p:extLst>
       <p:ext uri="{BB962C8B-B14F-4D97-AF65-F5344CB8AC3E}">
-        <p14:creationId xmlns:p14="http://schemas.microsoft.com/office/powerpoint/2010/main" val="1132737899"/>
+        <p14:creationId xmlns:p14="http://schemas.microsoft.com/office/powerpoint/2010/main" val="3762197084"/>
       </p:ext>
     </p:extLst>
   </p:cSld>
@@ -1795,7 +1798,7 @@
     </p:spTree>
     <p:extLst>
       <p:ext uri="{BB962C8B-B14F-4D97-AF65-F5344CB8AC3E}">
-        <p14:creationId xmlns:p14="http://schemas.microsoft.com/office/powerpoint/2010/main" val="2782297263"/>
+        <p14:creationId xmlns:p14="http://schemas.microsoft.com/office/powerpoint/2010/main" val="886524152"/>
       </p:ext>
     </p:extLst>
   </p:cSld>
@@ -1890,7 +1893,7 @@
     </p:spTree>
     <p:extLst>
       <p:ext uri="{BB962C8B-B14F-4D97-AF65-F5344CB8AC3E}">
-        <p14:creationId xmlns:p14="http://schemas.microsoft.com/office/powerpoint/2010/main" val="2715574853"/>
+        <p14:creationId xmlns:p14="http://schemas.microsoft.com/office/powerpoint/2010/main" val="1464132253"/>
       </p:ext>
     </p:extLst>
   </p:cSld>
@@ -2167,7 +2170,7 @@
     </p:spTree>
     <p:extLst>
       <p:ext uri="{BB962C8B-B14F-4D97-AF65-F5344CB8AC3E}">
-        <p14:creationId xmlns:p14="http://schemas.microsoft.com/office/powerpoint/2010/main" val="1484897413"/>
+        <p14:creationId xmlns:p14="http://schemas.microsoft.com/office/powerpoint/2010/main" val="1297420728"/>
       </p:ext>
     </p:extLst>
   </p:cSld>
@@ -2424,7 +2427,7 @@
     </p:spTree>
     <p:extLst>
       <p:ext uri="{BB962C8B-B14F-4D97-AF65-F5344CB8AC3E}">
-        <p14:creationId xmlns:p14="http://schemas.microsoft.com/office/powerpoint/2010/main" val="1559879793"/>
+        <p14:creationId xmlns:p14="http://schemas.microsoft.com/office/powerpoint/2010/main" val="2788333494"/>
       </p:ext>
     </p:extLst>
   </p:cSld>
@@ -2673,23 +2676,23 @@
     </p:spTree>
     <p:extLst>
       <p:ext uri="{BB962C8B-B14F-4D97-AF65-F5344CB8AC3E}">
-        <p14:creationId xmlns:p14="http://schemas.microsoft.com/office/powerpoint/2010/main" val="3441783988"/>
+        <p14:creationId xmlns:p14="http://schemas.microsoft.com/office/powerpoint/2010/main" val="2985117595"/>
       </p:ext>
     </p:extLst>
   </p:cSld>
   <p:clrMap bg1="dk1" tx1="lt1" bg2="dk2" tx2="lt2" accent1="accent1" accent2="accent2" accent3="accent3" accent4="accent4" accent5="accent5" accent6="accent6" hlink="hlink" folHlink="folHlink"/>
   <p:sldLayoutIdLst>
-    <p:sldLayoutId id="2147483685" r:id="rId1"/>
-    <p:sldLayoutId id="2147483686" r:id="rId2"/>
-    <p:sldLayoutId id="2147483687" r:id="rId3"/>
-    <p:sldLayoutId id="2147483688" r:id="rId4"/>
-    <p:sldLayoutId id="2147483689" r:id="rId5"/>
-    <p:sldLayoutId id="2147483690" r:id="rId6"/>
-    <p:sldLayoutId id="2147483691" r:id="rId7"/>
-    <p:sldLayoutId id="2147483692" r:id="rId8"/>
-    <p:sldLayoutId id="2147483693" r:id="rId9"/>
-    <p:sldLayoutId id="2147483694" r:id="rId10"/>
-    <p:sldLayoutId id="2147483695" r:id="rId11"/>
+    <p:sldLayoutId id="2147483733" r:id="rId1"/>
+    <p:sldLayoutId id="2147483734" r:id="rId2"/>
+    <p:sldLayoutId id="2147483735" r:id="rId3"/>
+    <p:sldLayoutId id="2147483736" r:id="rId4"/>
+    <p:sldLayoutId id="2147483737" r:id="rId5"/>
+    <p:sldLayoutId id="2147483738" r:id="rId6"/>
+    <p:sldLayoutId id="2147483739" r:id="rId7"/>
+    <p:sldLayoutId id="2147483740" r:id="rId8"/>
+    <p:sldLayoutId id="2147483741" r:id="rId9"/>
+    <p:sldLayoutId id="2147483742" r:id="rId10"/>
+    <p:sldLayoutId id="2147483743" r:id="rId11"/>
   </p:sldLayoutIdLst>
   <p:txStyles>
     <p:titleStyle>
@@ -3272,6 +3275,911 @@
           <p:cNvPr id="2" name="Title 1">
             <a:extLst>
               <a:ext uri="{FF2B5EF4-FFF2-40B4-BE49-F238E27FC236}">
+                <a16:creationId xmlns:a16="http://schemas.microsoft.com/office/drawing/2014/main" id="{628AEFA1-1CC9-4544-899D-5BFBCBC8A7B5}"/>
+              </a:ext>
+            </a:extLst>
+          </p:cNvPr>
+          <p:cNvSpPr>
+            <a:spLocks noGrp="1"/>
+          </p:cNvSpPr>
+          <p:nvPr>
+            <p:ph type="title"/>
+          </p:nvPr>
+        </p:nvSpPr>
+        <p:spPr/>
+        <p:txBody>
+          <a:bodyPr/>
+          <a:lstStyle/>
+          <a:p>
+            <a:r>
+              <a:rPr lang="en-US" dirty="0"/>
+              <a:t>Programming is a Skill</a:t>
+            </a:r>
+          </a:p>
+        </p:txBody>
+      </p:sp>
+      <p:sp>
+        <p:nvSpPr>
+          <p:cNvPr id="3" name="Content Placeholder 2">
+            <a:extLst>
+              <a:ext uri="{FF2B5EF4-FFF2-40B4-BE49-F238E27FC236}">
+                <a16:creationId xmlns:a16="http://schemas.microsoft.com/office/drawing/2014/main" id="{A73F621E-4881-4811-86B5-9B2A5586DB09}"/>
+              </a:ext>
+            </a:extLst>
+          </p:cNvPr>
+          <p:cNvSpPr>
+            <a:spLocks noGrp="1"/>
+          </p:cNvSpPr>
+          <p:nvPr>
+            <p:ph type="body" idx="1"/>
+          </p:nvPr>
+        </p:nvSpPr>
+        <p:spPr/>
+        <p:txBody>
+          <a:bodyPr>
+            <a:normAutofit/>
+          </a:bodyPr>
+          <a:lstStyle/>
+          <a:p>
+            <a:r>
+              <a:rPr lang="en-US" dirty="0"/>
+              <a:t>It can be learned and it can be difficult</a:t>
+            </a:r>
+          </a:p>
+        </p:txBody>
+      </p:sp>
+    </p:spTree>
+    <p:extLst>
+      <p:ext uri="{BB962C8B-B14F-4D97-AF65-F5344CB8AC3E}">
+        <p14:creationId xmlns:p14="http://schemas.microsoft.com/office/powerpoint/2010/main" val="396282729"/>
+      </p:ext>
+    </p:extLst>
+  </p:cSld>
+  <p:clrMapOvr>
+    <a:masterClrMapping/>
+  </p:clrMapOvr>
+</p:sld>
+</file>
+
+<file path=ppt/slides/slide13.xml><?xml version="1.0" encoding="utf-8"?>
+<p:sld xmlns:a="http://schemas.openxmlformats.org/drawingml/2006/main" xmlns:r="http://schemas.openxmlformats.org/officeDocument/2006/relationships" xmlns:p="http://schemas.openxmlformats.org/presentationml/2006/main">
+  <p:cSld>
+    <p:spTree>
+      <p:nvGrpSpPr>
+        <p:cNvPr id="1" name=""/>
+        <p:cNvGrpSpPr/>
+        <p:nvPr/>
+      </p:nvGrpSpPr>
+      <p:grpSpPr>
+        <a:xfrm>
+          <a:off x="0" y="0"/>
+          <a:ext cx="0" cy="0"/>
+          <a:chOff x="0" y="0"/>
+          <a:chExt cx="0" cy="0"/>
+        </a:xfrm>
+      </p:grpSpPr>
+      <p:sp>
+        <p:nvSpPr>
+          <p:cNvPr id="2" name="Title 1">
+            <a:extLst>
+              <a:ext uri="{FF2B5EF4-FFF2-40B4-BE49-F238E27FC236}">
+                <a16:creationId xmlns:a16="http://schemas.microsoft.com/office/drawing/2014/main" id="{F8B5762E-9468-401C-A1CE-83F77A36A14B}"/>
+              </a:ext>
+            </a:extLst>
+          </p:cNvPr>
+          <p:cNvSpPr>
+            <a:spLocks noGrp="1"/>
+          </p:cNvSpPr>
+          <p:nvPr>
+            <p:ph type="title"/>
+          </p:nvPr>
+        </p:nvSpPr>
+        <p:spPr/>
+        <p:txBody>
+          <a:bodyPr/>
+          <a:lstStyle/>
+          <a:p>
+            <a:r>
+              <a:rPr lang="en-US" dirty="0"/>
+              <a:t>For example: Doors</a:t>
+            </a:r>
+          </a:p>
+        </p:txBody>
+      </p:sp>
+      <p:sp>
+        <p:nvSpPr>
+          <p:cNvPr id="4" name="Content Placeholder 3">
+            <a:extLst>
+              <a:ext uri="{FF2B5EF4-FFF2-40B4-BE49-F238E27FC236}">
+                <a16:creationId xmlns:a16="http://schemas.microsoft.com/office/drawing/2014/main" id="{749B75C9-2CC4-478F-BA5F-59F3D29735F4}"/>
+              </a:ext>
+            </a:extLst>
+          </p:cNvPr>
+          <p:cNvSpPr>
+            <a:spLocks noGrp="1"/>
+          </p:cNvSpPr>
+          <p:nvPr>
+            <p:ph sz="half" idx="1"/>
+          </p:nvPr>
+        </p:nvSpPr>
+        <p:spPr/>
+        <p:txBody>
+          <a:bodyPr>
+            <a:normAutofit fontScale="70000" lnSpcReduction="20000"/>
+          </a:bodyPr>
+          <a:lstStyle/>
+          <a:p>
+            <a:r>
+              <a:rPr lang="en-US" b="1" dirty="0"/>
+              <a:t>Can the player open them?</a:t>
+            </a:r>
+          </a:p>
+          <a:p>
+            <a:r>
+              <a:rPr lang="en-US" b="1" dirty="0"/>
+              <a:t>Can the player open every door in the game? </a:t>
+            </a:r>
+            <a:r>
+              <a:rPr lang="en-US" dirty="0"/>
+              <a:t>Or are some doors for decoration? How does the player know the difference? Can doors be locked and unlocked?</a:t>
+            </a:r>
+          </a:p>
+          <a:p>
+            <a:r>
+              <a:rPr lang="en-US" b="1" dirty="0"/>
+              <a:t>What tells a player a door is locked and will open, as opposed to a door that they will never open?</a:t>
+            </a:r>
+          </a:p>
+          <a:p>
+            <a:r>
+              <a:rPr lang="en-US" b="1" dirty="0"/>
+              <a:t>Does a player know how to unlock a door? </a:t>
+            </a:r>
+            <a:r>
+              <a:rPr lang="en-US" dirty="0"/>
+              <a:t>Do they need a key? To hack a console? To solve a puzzle? To wait until a story moment passes?</a:t>
+            </a:r>
+          </a:p>
+          <a:p>
+            <a:r>
+              <a:rPr lang="en-US" b="1" dirty="0"/>
+              <a:t>Where do enemies come from? </a:t>
+            </a:r>
+            <a:r>
+              <a:rPr lang="en-US" dirty="0"/>
+              <a:t>Do they run in from doors? Do those doors lock afterwards? Are there doors that can open but the player can never enter them?</a:t>
+            </a:r>
+          </a:p>
+        </p:txBody>
+      </p:sp>
+      <p:sp>
+        <p:nvSpPr>
+          <p:cNvPr id="5" name="Content Placeholder 4">
+            <a:extLst>
+              <a:ext uri="{FF2B5EF4-FFF2-40B4-BE49-F238E27FC236}">
+                <a16:creationId xmlns:a16="http://schemas.microsoft.com/office/drawing/2014/main" id="{3C44340E-92CB-4174-ADC8-2D844970C80B}"/>
+              </a:ext>
+            </a:extLst>
+          </p:cNvPr>
+          <p:cNvSpPr>
+            <a:spLocks noGrp="1"/>
+          </p:cNvSpPr>
+          <p:nvPr>
+            <p:ph sz="half" idx="2"/>
+          </p:nvPr>
+        </p:nvSpPr>
+        <p:spPr/>
+        <p:txBody>
+          <a:bodyPr>
+            <a:normAutofit fontScale="70000" lnSpcReduction="20000"/>
+          </a:bodyPr>
+          <a:lstStyle/>
+          <a:p>
+            <a:r>
+              <a:rPr lang="en-US" b="1" dirty="0"/>
+              <a:t>How does the player open a door? </a:t>
+            </a:r>
+            <a:r>
+              <a:rPr lang="en-US" dirty="0"/>
+              <a:t>Do they just walk up to it and it slides open? Does it swing open? Does the player have to press a button to open it? Do doors lock behind the player?</a:t>
+            </a:r>
+          </a:p>
+          <a:p>
+            <a:r>
+              <a:rPr lang="en-US" b="1" dirty="0"/>
+              <a:t>What size is a door? </a:t>
+            </a:r>
+            <a:r>
+              <a:rPr lang="en-US" dirty="0"/>
+              <a:t>Does it have to be big enough for a player to get through?</a:t>
+            </a:r>
+          </a:p>
+          <a:p>
+            <a:r>
+              <a:rPr lang="en-US" b="1" dirty="0"/>
+              <a:t>What about co-op players? </a:t>
+            </a:r>
+            <a:r>
+              <a:rPr lang="en-US" dirty="0"/>
+              <a:t>What if player 1 is standing in the doorway – does that block player 2?</a:t>
+            </a:r>
+          </a:p>
+          <a:p>
+            <a:r>
+              <a:rPr lang="en-US" b="1" dirty="0"/>
+              <a:t>What about allies following you? </a:t>
+            </a:r>
+            <a:r>
+              <a:rPr lang="en-US" dirty="0"/>
+              <a:t>How many of them need to get through the door without getting stuck?</a:t>
+            </a:r>
+          </a:p>
+          <a:p>
+            <a:r>
+              <a:rPr lang="en-US" b="1" dirty="0"/>
+              <a:t>What about large enemies? </a:t>
+            </a:r>
+            <a:r>
+              <a:rPr lang="en-US" dirty="0"/>
+              <a:t>Do enemies that are larger than a person also need to fit through the door?</a:t>
+            </a:r>
+          </a:p>
+          <a:p>
+            <a:endParaRPr lang="en-US" dirty="0"/>
+          </a:p>
+        </p:txBody>
+      </p:sp>
+    </p:spTree>
+    <p:extLst>
+      <p:ext uri="{BB962C8B-B14F-4D97-AF65-F5344CB8AC3E}">
+        <p14:creationId xmlns:p14="http://schemas.microsoft.com/office/powerpoint/2010/main" val="1209163488"/>
+      </p:ext>
+    </p:extLst>
+  </p:cSld>
+  <p:clrMapOvr>
+    <a:masterClrMapping/>
+  </p:clrMapOvr>
+  <p:timing>
+    <p:tnLst>
+      <p:par>
+        <p:cTn id="1" dur="indefinite" restart="never" nodeType="tmRoot">
+          <p:childTnLst>
+            <p:seq concurrent="1" nextAc="seek">
+              <p:cTn id="2" dur="indefinite" nodeType="mainSeq">
+                <p:childTnLst>
+                  <p:par>
+                    <p:cTn id="3" fill="hold">
+                      <p:stCondLst>
+                        <p:cond delay="indefinite"/>
+                      </p:stCondLst>
+                      <p:childTnLst>
+                        <p:par>
+                          <p:cTn id="4" fill="hold">
+                            <p:stCondLst>
+                              <p:cond delay="0"/>
+                            </p:stCondLst>
+                            <p:childTnLst>
+                              <p:par>
+                                <p:cTn id="5" presetID="1" presetClass="entr" presetSubtype="0" fill="hold" grpId="0" nodeType="clickEffect">
+                                  <p:stCondLst>
+                                    <p:cond delay="0"/>
+                                  </p:stCondLst>
+                                  <p:childTnLst>
+                                    <p:set>
+                                      <p:cBhvr>
+                                        <p:cTn id="6" dur="1" fill="hold">
+                                          <p:stCondLst>
+                                            <p:cond delay="0"/>
+                                          </p:stCondLst>
+                                        </p:cTn>
+                                        <p:tgtEl>
+                                          <p:spTgt spid="4">
+                                            <p:txEl>
+                                              <p:pRg st="0" end="0"/>
+                                            </p:txEl>
+                                          </p:spTgt>
+                                        </p:tgtEl>
+                                        <p:attrNameLst>
+                                          <p:attrName>style.visibility</p:attrName>
+                                        </p:attrNameLst>
+                                      </p:cBhvr>
+                                      <p:to>
+                                        <p:strVal val="visible"/>
+                                      </p:to>
+                                    </p:set>
+                                  </p:childTnLst>
+                                </p:cTn>
+                              </p:par>
+                            </p:childTnLst>
+                          </p:cTn>
+                        </p:par>
+                      </p:childTnLst>
+                    </p:cTn>
+                  </p:par>
+                  <p:par>
+                    <p:cTn id="7" fill="hold">
+                      <p:stCondLst>
+                        <p:cond delay="indefinite"/>
+                      </p:stCondLst>
+                      <p:childTnLst>
+                        <p:par>
+                          <p:cTn id="8" fill="hold">
+                            <p:stCondLst>
+                              <p:cond delay="0"/>
+                            </p:stCondLst>
+                            <p:childTnLst>
+                              <p:par>
+                                <p:cTn id="9" presetID="1" presetClass="entr" presetSubtype="0" fill="hold" grpId="0" nodeType="clickEffect">
+                                  <p:stCondLst>
+                                    <p:cond delay="0"/>
+                                  </p:stCondLst>
+                                  <p:childTnLst>
+                                    <p:set>
+                                      <p:cBhvr>
+                                        <p:cTn id="10" dur="1" fill="hold">
+                                          <p:stCondLst>
+                                            <p:cond delay="0"/>
+                                          </p:stCondLst>
+                                        </p:cTn>
+                                        <p:tgtEl>
+                                          <p:spTgt spid="4">
+                                            <p:txEl>
+                                              <p:pRg st="1" end="1"/>
+                                            </p:txEl>
+                                          </p:spTgt>
+                                        </p:tgtEl>
+                                        <p:attrNameLst>
+                                          <p:attrName>style.visibility</p:attrName>
+                                        </p:attrNameLst>
+                                      </p:cBhvr>
+                                      <p:to>
+                                        <p:strVal val="visible"/>
+                                      </p:to>
+                                    </p:set>
+                                  </p:childTnLst>
+                                </p:cTn>
+                              </p:par>
+                            </p:childTnLst>
+                          </p:cTn>
+                        </p:par>
+                      </p:childTnLst>
+                    </p:cTn>
+                  </p:par>
+                  <p:par>
+                    <p:cTn id="11" fill="hold">
+                      <p:stCondLst>
+                        <p:cond delay="indefinite"/>
+                      </p:stCondLst>
+                      <p:childTnLst>
+                        <p:par>
+                          <p:cTn id="12" fill="hold">
+                            <p:stCondLst>
+                              <p:cond delay="0"/>
+                            </p:stCondLst>
+                            <p:childTnLst>
+                              <p:par>
+                                <p:cTn id="13" presetID="1" presetClass="entr" presetSubtype="0" fill="hold" grpId="0" nodeType="clickEffect">
+                                  <p:stCondLst>
+                                    <p:cond delay="0"/>
+                                  </p:stCondLst>
+                                  <p:childTnLst>
+                                    <p:set>
+                                      <p:cBhvr>
+                                        <p:cTn id="14" dur="1" fill="hold">
+                                          <p:stCondLst>
+                                            <p:cond delay="0"/>
+                                          </p:stCondLst>
+                                        </p:cTn>
+                                        <p:tgtEl>
+                                          <p:spTgt spid="4">
+                                            <p:txEl>
+                                              <p:pRg st="2" end="2"/>
+                                            </p:txEl>
+                                          </p:spTgt>
+                                        </p:tgtEl>
+                                        <p:attrNameLst>
+                                          <p:attrName>style.visibility</p:attrName>
+                                        </p:attrNameLst>
+                                      </p:cBhvr>
+                                      <p:to>
+                                        <p:strVal val="visible"/>
+                                      </p:to>
+                                    </p:set>
+                                  </p:childTnLst>
+                                </p:cTn>
+                              </p:par>
+                            </p:childTnLst>
+                          </p:cTn>
+                        </p:par>
+                      </p:childTnLst>
+                    </p:cTn>
+                  </p:par>
+                  <p:par>
+                    <p:cTn id="15" fill="hold">
+                      <p:stCondLst>
+                        <p:cond delay="indefinite"/>
+                      </p:stCondLst>
+                      <p:childTnLst>
+                        <p:par>
+                          <p:cTn id="16" fill="hold">
+                            <p:stCondLst>
+                              <p:cond delay="0"/>
+                            </p:stCondLst>
+                            <p:childTnLst>
+                              <p:par>
+                                <p:cTn id="17" presetID="1" presetClass="entr" presetSubtype="0" fill="hold" grpId="0" nodeType="clickEffect">
+                                  <p:stCondLst>
+                                    <p:cond delay="0"/>
+                                  </p:stCondLst>
+                                  <p:childTnLst>
+                                    <p:set>
+                                      <p:cBhvr>
+                                        <p:cTn id="18" dur="1" fill="hold">
+                                          <p:stCondLst>
+                                            <p:cond delay="0"/>
+                                          </p:stCondLst>
+                                        </p:cTn>
+                                        <p:tgtEl>
+                                          <p:spTgt spid="4">
+                                            <p:txEl>
+                                              <p:pRg st="3" end="3"/>
+                                            </p:txEl>
+                                          </p:spTgt>
+                                        </p:tgtEl>
+                                        <p:attrNameLst>
+                                          <p:attrName>style.visibility</p:attrName>
+                                        </p:attrNameLst>
+                                      </p:cBhvr>
+                                      <p:to>
+                                        <p:strVal val="visible"/>
+                                      </p:to>
+                                    </p:set>
+                                  </p:childTnLst>
+                                </p:cTn>
+                              </p:par>
+                            </p:childTnLst>
+                          </p:cTn>
+                        </p:par>
+                      </p:childTnLst>
+                    </p:cTn>
+                  </p:par>
+                  <p:par>
+                    <p:cTn id="19" fill="hold">
+                      <p:stCondLst>
+                        <p:cond delay="indefinite"/>
+                      </p:stCondLst>
+                      <p:childTnLst>
+                        <p:par>
+                          <p:cTn id="20" fill="hold">
+                            <p:stCondLst>
+                              <p:cond delay="0"/>
+                            </p:stCondLst>
+                            <p:childTnLst>
+                              <p:par>
+                                <p:cTn id="21" presetID="1" presetClass="entr" presetSubtype="0" fill="hold" grpId="0" nodeType="clickEffect">
+                                  <p:stCondLst>
+                                    <p:cond delay="0"/>
+                                  </p:stCondLst>
+                                  <p:childTnLst>
+                                    <p:set>
+                                      <p:cBhvr>
+                                        <p:cTn id="22" dur="1" fill="hold">
+                                          <p:stCondLst>
+                                            <p:cond delay="0"/>
+                                          </p:stCondLst>
+                                        </p:cTn>
+                                        <p:tgtEl>
+                                          <p:spTgt spid="4">
+                                            <p:txEl>
+                                              <p:pRg st="4" end="4"/>
+                                            </p:txEl>
+                                          </p:spTgt>
+                                        </p:tgtEl>
+                                        <p:attrNameLst>
+                                          <p:attrName>style.visibility</p:attrName>
+                                        </p:attrNameLst>
+                                      </p:cBhvr>
+                                      <p:to>
+                                        <p:strVal val="visible"/>
+                                      </p:to>
+                                    </p:set>
+                                  </p:childTnLst>
+                                </p:cTn>
+                              </p:par>
+                            </p:childTnLst>
+                          </p:cTn>
+                        </p:par>
+                      </p:childTnLst>
+                    </p:cTn>
+                  </p:par>
+                  <p:par>
+                    <p:cTn id="23" fill="hold">
+                      <p:stCondLst>
+                        <p:cond delay="indefinite"/>
+                      </p:stCondLst>
+                      <p:childTnLst>
+                        <p:par>
+                          <p:cTn id="24" fill="hold">
+                            <p:stCondLst>
+                              <p:cond delay="0"/>
+                            </p:stCondLst>
+                            <p:childTnLst>
+                              <p:par>
+                                <p:cTn id="25" presetID="1" presetClass="entr" presetSubtype="0" fill="hold" grpId="0" nodeType="clickEffect">
+                                  <p:stCondLst>
+                                    <p:cond delay="0"/>
+                                  </p:stCondLst>
+                                  <p:childTnLst>
+                                    <p:set>
+                                      <p:cBhvr>
+                                        <p:cTn id="26" dur="1" fill="hold">
+                                          <p:stCondLst>
+                                            <p:cond delay="0"/>
+                                          </p:stCondLst>
+                                        </p:cTn>
+                                        <p:tgtEl>
+                                          <p:spTgt spid="5">
+                                            <p:txEl>
+                                              <p:pRg st="0" end="0"/>
+                                            </p:txEl>
+                                          </p:spTgt>
+                                        </p:tgtEl>
+                                        <p:attrNameLst>
+                                          <p:attrName>style.visibility</p:attrName>
+                                        </p:attrNameLst>
+                                      </p:cBhvr>
+                                      <p:to>
+                                        <p:strVal val="visible"/>
+                                      </p:to>
+                                    </p:set>
+                                  </p:childTnLst>
+                                </p:cTn>
+                              </p:par>
+                            </p:childTnLst>
+                          </p:cTn>
+                        </p:par>
+                      </p:childTnLst>
+                    </p:cTn>
+                  </p:par>
+                  <p:par>
+                    <p:cTn id="27" fill="hold">
+                      <p:stCondLst>
+                        <p:cond delay="indefinite"/>
+                      </p:stCondLst>
+                      <p:childTnLst>
+                        <p:par>
+                          <p:cTn id="28" fill="hold">
+                            <p:stCondLst>
+                              <p:cond delay="0"/>
+                            </p:stCondLst>
+                            <p:childTnLst>
+                              <p:par>
+                                <p:cTn id="29" presetID="1" presetClass="entr" presetSubtype="0" fill="hold" grpId="0" nodeType="clickEffect">
+                                  <p:stCondLst>
+                                    <p:cond delay="0"/>
+                                  </p:stCondLst>
+                                  <p:childTnLst>
+                                    <p:set>
+                                      <p:cBhvr>
+                                        <p:cTn id="30" dur="1" fill="hold">
+                                          <p:stCondLst>
+                                            <p:cond delay="0"/>
+                                          </p:stCondLst>
+                                        </p:cTn>
+                                        <p:tgtEl>
+                                          <p:spTgt spid="5">
+                                            <p:txEl>
+                                              <p:pRg st="1" end="1"/>
+                                            </p:txEl>
+                                          </p:spTgt>
+                                        </p:tgtEl>
+                                        <p:attrNameLst>
+                                          <p:attrName>style.visibility</p:attrName>
+                                        </p:attrNameLst>
+                                      </p:cBhvr>
+                                      <p:to>
+                                        <p:strVal val="visible"/>
+                                      </p:to>
+                                    </p:set>
+                                  </p:childTnLst>
+                                </p:cTn>
+                              </p:par>
+                            </p:childTnLst>
+                          </p:cTn>
+                        </p:par>
+                      </p:childTnLst>
+                    </p:cTn>
+                  </p:par>
+                  <p:par>
+                    <p:cTn id="31" fill="hold">
+                      <p:stCondLst>
+                        <p:cond delay="indefinite"/>
+                      </p:stCondLst>
+                      <p:childTnLst>
+                        <p:par>
+                          <p:cTn id="32" fill="hold">
+                            <p:stCondLst>
+                              <p:cond delay="0"/>
+                            </p:stCondLst>
+                            <p:childTnLst>
+                              <p:par>
+                                <p:cTn id="33" presetID="1" presetClass="entr" presetSubtype="0" fill="hold" grpId="0" nodeType="clickEffect">
+                                  <p:stCondLst>
+                                    <p:cond delay="0"/>
+                                  </p:stCondLst>
+                                  <p:childTnLst>
+                                    <p:set>
+                                      <p:cBhvr>
+                                        <p:cTn id="34" dur="1" fill="hold">
+                                          <p:stCondLst>
+                                            <p:cond delay="0"/>
+                                          </p:stCondLst>
+                                        </p:cTn>
+                                        <p:tgtEl>
+                                          <p:spTgt spid="5">
+                                            <p:txEl>
+                                              <p:pRg st="2" end="2"/>
+                                            </p:txEl>
+                                          </p:spTgt>
+                                        </p:tgtEl>
+                                        <p:attrNameLst>
+                                          <p:attrName>style.visibility</p:attrName>
+                                        </p:attrNameLst>
+                                      </p:cBhvr>
+                                      <p:to>
+                                        <p:strVal val="visible"/>
+                                      </p:to>
+                                    </p:set>
+                                  </p:childTnLst>
+                                </p:cTn>
+                              </p:par>
+                            </p:childTnLst>
+                          </p:cTn>
+                        </p:par>
+                      </p:childTnLst>
+                    </p:cTn>
+                  </p:par>
+                  <p:par>
+                    <p:cTn id="35" fill="hold">
+                      <p:stCondLst>
+                        <p:cond delay="indefinite"/>
+                      </p:stCondLst>
+                      <p:childTnLst>
+                        <p:par>
+                          <p:cTn id="36" fill="hold">
+                            <p:stCondLst>
+                              <p:cond delay="0"/>
+                            </p:stCondLst>
+                            <p:childTnLst>
+                              <p:par>
+                                <p:cTn id="37" presetID="1" presetClass="entr" presetSubtype="0" fill="hold" grpId="0" nodeType="clickEffect">
+                                  <p:stCondLst>
+                                    <p:cond delay="0"/>
+                                  </p:stCondLst>
+                                  <p:childTnLst>
+                                    <p:set>
+                                      <p:cBhvr>
+                                        <p:cTn id="38" dur="1" fill="hold">
+                                          <p:stCondLst>
+                                            <p:cond delay="0"/>
+                                          </p:stCondLst>
+                                        </p:cTn>
+                                        <p:tgtEl>
+                                          <p:spTgt spid="5">
+                                            <p:txEl>
+                                              <p:pRg st="3" end="3"/>
+                                            </p:txEl>
+                                          </p:spTgt>
+                                        </p:tgtEl>
+                                        <p:attrNameLst>
+                                          <p:attrName>style.visibility</p:attrName>
+                                        </p:attrNameLst>
+                                      </p:cBhvr>
+                                      <p:to>
+                                        <p:strVal val="visible"/>
+                                      </p:to>
+                                    </p:set>
+                                  </p:childTnLst>
+                                </p:cTn>
+                              </p:par>
+                            </p:childTnLst>
+                          </p:cTn>
+                        </p:par>
+                      </p:childTnLst>
+                    </p:cTn>
+                  </p:par>
+                  <p:par>
+                    <p:cTn id="39" fill="hold">
+                      <p:stCondLst>
+                        <p:cond delay="indefinite"/>
+                      </p:stCondLst>
+                      <p:childTnLst>
+                        <p:par>
+                          <p:cTn id="40" fill="hold">
+                            <p:stCondLst>
+                              <p:cond delay="0"/>
+                            </p:stCondLst>
+                            <p:childTnLst>
+                              <p:par>
+                                <p:cTn id="41" presetID="1" presetClass="entr" presetSubtype="0" fill="hold" grpId="0" nodeType="clickEffect">
+                                  <p:stCondLst>
+                                    <p:cond delay="0"/>
+                                  </p:stCondLst>
+                                  <p:childTnLst>
+                                    <p:set>
+                                      <p:cBhvr>
+                                        <p:cTn id="42" dur="1" fill="hold">
+                                          <p:stCondLst>
+                                            <p:cond delay="0"/>
+                                          </p:stCondLst>
+                                        </p:cTn>
+                                        <p:tgtEl>
+                                          <p:spTgt spid="5">
+                                            <p:txEl>
+                                              <p:pRg st="4" end="4"/>
+                                            </p:txEl>
+                                          </p:spTgt>
+                                        </p:tgtEl>
+                                        <p:attrNameLst>
+                                          <p:attrName>style.visibility</p:attrName>
+                                        </p:attrNameLst>
+                                      </p:cBhvr>
+                                      <p:to>
+                                        <p:strVal val="visible"/>
+                                      </p:to>
+                                    </p:set>
+                                  </p:childTnLst>
+                                </p:cTn>
+                              </p:par>
+                            </p:childTnLst>
+                          </p:cTn>
+                        </p:par>
+                      </p:childTnLst>
+                    </p:cTn>
+                  </p:par>
+                </p:childTnLst>
+              </p:cTn>
+              <p:prevCondLst>
+                <p:cond evt="onPrev" delay="0">
+                  <p:tgtEl>
+                    <p:sldTgt/>
+                  </p:tgtEl>
+                </p:cond>
+              </p:prevCondLst>
+              <p:nextCondLst>
+                <p:cond evt="onNext" delay="0">
+                  <p:tgtEl>
+                    <p:sldTgt/>
+                  </p:tgtEl>
+                </p:cond>
+              </p:nextCondLst>
+            </p:seq>
+          </p:childTnLst>
+        </p:cTn>
+      </p:par>
+    </p:tnLst>
+    <p:bldLst>
+      <p:bldP spid="4" grpId="0" build="p"/>
+      <p:bldP spid="5" grpId="0" build="p"/>
+    </p:bldLst>
+  </p:timing>
+</p:sld>
+</file>
+
+<file path=ppt/slides/slide14.xml><?xml version="1.0" encoding="utf-8"?>
+<p:sld xmlns:a="http://schemas.openxmlformats.org/drawingml/2006/main" xmlns:r="http://schemas.openxmlformats.org/officeDocument/2006/relationships" xmlns:p="http://schemas.openxmlformats.org/presentationml/2006/main">
+  <p:cSld>
+    <p:spTree>
+      <p:nvGrpSpPr>
+        <p:cNvPr id="1" name=""/>
+        <p:cNvGrpSpPr/>
+        <p:nvPr/>
+      </p:nvGrpSpPr>
+      <p:grpSpPr>
+        <a:xfrm>
+          <a:off x="0" y="0"/>
+          <a:ext cx="0" cy="0"/>
+          <a:chOff x="0" y="0"/>
+          <a:chExt cx="0" cy="0"/>
+        </a:xfrm>
+      </p:grpSpPr>
+      <p:sp>
+        <p:nvSpPr>
+          <p:cNvPr id="2" name="Title 1">
+            <a:extLst>
+              <a:ext uri="{FF2B5EF4-FFF2-40B4-BE49-F238E27FC236}">
+                <a16:creationId xmlns:a16="http://schemas.microsoft.com/office/drawing/2014/main" id="{618CEE72-26A2-4961-88C9-0F8F3FDF5A25}"/>
+              </a:ext>
+            </a:extLst>
+          </p:cNvPr>
+          <p:cNvSpPr>
+            <a:spLocks noGrp="1"/>
+          </p:cNvSpPr>
+          <p:nvPr>
+            <p:ph type="title"/>
+          </p:nvPr>
+        </p:nvSpPr>
+        <p:spPr/>
+        <p:txBody>
+          <a:bodyPr/>
+          <a:lstStyle/>
+          <a:p>
+            <a:r>
+              <a:rPr lang="en-US" dirty="0"/>
+              <a:t>For example: Sandwiches</a:t>
+            </a:r>
+          </a:p>
+        </p:txBody>
+      </p:sp>
+      <p:sp>
+        <p:nvSpPr>
+          <p:cNvPr id="3" name="Content Placeholder 2">
+            <a:extLst>
+              <a:ext uri="{FF2B5EF4-FFF2-40B4-BE49-F238E27FC236}">
+                <a16:creationId xmlns:a16="http://schemas.microsoft.com/office/drawing/2014/main" id="{4F9F709A-2816-41B5-BD2D-72EBF5BD5937}"/>
+              </a:ext>
+            </a:extLst>
+          </p:cNvPr>
+          <p:cNvSpPr>
+            <a:spLocks noGrp="1"/>
+          </p:cNvSpPr>
+          <p:nvPr>
+            <p:ph idx="1"/>
+          </p:nvPr>
+        </p:nvSpPr>
+        <p:spPr/>
+        <p:txBody>
+          <a:bodyPr/>
+          <a:lstStyle/>
+          <a:p>
+            <a:r>
+              <a:rPr lang="en-US" dirty="0"/>
+              <a:t>This is going to be silly</a:t>
+            </a:r>
+          </a:p>
+          <a:p>
+            <a:r>
+              <a:rPr lang="en-US" b="1" dirty="0"/>
+              <a:t>Does anyone have a peanut allergy?</a:t>
+            </a:r>
+          </a:p>
+        </p:txBody>
+      </p:sp>
+    </p:spTree>
+    <p:extLst>
+      <p:ext uri="{BB962C8B-B14F-4D97-AF65-F5344CB8AC3E}">
+        <p14:creationId xmlns:p14="http://schemas.microsoft.com/office/powerpoint/2010/main" val="2095262956"/>
+      </p:ext>
+    </p:extLst>
+  </p:cSld>
+  <p:clrMapOvr>
+    <a:masterClrMapping/>
+  </p:clrMapOvr>
+</p:sld>
+</file>
+
+<file path=ppt/slides/slide15.xml><?xml version="1.0" encoding="utf-8"?>
+<p:sld xmlns:a="http://schemas.openxmlformats.org/drawingml/2006/main" xmlns:r="http://schemas.openxmlformats.org/officeDocument/2006/relationships" xmlns:p="http://schemas.openxmlformats.org/presentationml/2006/main">
+  <p:cSld>
+    <p:spTree>
+      <p:nvGrpSpPr>
+        <p:cNvPr id="1" name=""/>
+        <p:cNvGrpSpPr/>
+        <p:nvPr/>
+      </p:nvGrpSpPr>
+      <p:grpSpPr>
+        <a:xfrm>
+          <a:off x="0" y="0"/>
+          <a:ext cx="0" cy="0"/>
+          <a:chOff x="0" y="0"/>
+          <a:chExt cx="0" cy="0"/>
+        </a:xfrm>
+      </p:grpSpPr>
+      <p:sp>
+        <p:nvSpPr>
+          <p:cNvPr id="2" name="Title 1">
+            <a:extLst>
+              <a:ext uri="{FF2B5EF4-FFF2-40B4-BE49-F238E27FC236}">
                 <a16:creationId xmlns:a16="http://schemas.microsoft.com/office/drawing/2014/main" id="{7267F51D-71AE-4CAD-8B9B-8FF2370CDAFD}"/>
               </a:ext>
             </a:extLst>
@@ -3341,7 +4249,7 @@
 </p:sld>
 </file>
 
-<file path=ppt/slides/slide13.xml><?xml version="1.0" encoding="utf-8"?>
+<file path=ppt/slides/slide16.xml><?xml version="1.0" encoding="utf-8"?>
 <p:sld xmlns:a="http://schemas.openxmlformats.org/drawingml/2006/main" xmlns:r="http://schemas.openxmlformats.org/officeDocument/2006/relationships" xmlns:p="http://schemas.openxmlformats.org/presentationml/2006/main">
   <p:cSld>
     <p:spTree>
@@ -3371,7 +4279,7 @@
 </p:sld>
 </file>
 
-<file path=ppt/slides/slide14.xml><?xml version="1.0" encoding="utf-8"?>
+<file path=ppt/slides/slide17.xml><?xml version="1.0" encoding="utf-8"?>
 <p:sld xmlns:a="http://schemas.openxmlformats.org/drawingml/2006/main" xmlns:r="http://schemas.openxmlformats.org/officeDocument/2006/relationships" xmlns:p="http://schemas.openxmlformats.org/presentationml/2006/main">
   <p:cSld>
     <p:spTree>
@@ -3438,7 +4346,7 @@
 </p:sld>
 </file>
 
-<file path=ppt/slides/slide15.xml><?xml version="1.0" encoding="utf-8"?>
+<file path=ppt/slides/slide18.xml><?xml version="1.0" encoding="utf-8"?>
 <p:sld xmlns:a="http://schemas.openxmlformats.org/drawingml/2006/main" xmlns:r="http://schemas.openxmlformats.org/officeDocument/2006/relationships" xmlns:p="http://schemas.openxmlformats.org/presentationml/2006/main">
   <p:cSld>
     <p:spTree>
@@ -4142,12 +5050,7 @@
             <p:ph idx="1"/>
           </p:nvPr>
         </p:nvSpPr>
-        <p:spPr>
-          <a:xfrm>
-            <a:off x="838200" y="1825625"/>
-            <a:ext cx="10515600" cy="4351338"/>
-          </a:xfrm>
-        </p:spPr>
+        <p:spPr/>
         <p:txBody>
           <a:bodyPr/>
           <a:lstStyle/>
@@ -4313,12 +5216,7 @@
             <p:ph idx="1"/>
           </p:nvPr>
         </p:nvSpPr>
-        <p:spPr>
-          <a:xfrm>
-            <a:off x="838200" y="1825625"/>
-            <a:ext cx="10515600" cy="4351338"/>
-          </a:xfrm>
-        </p:spPr>
+        <p:spPr/>
         <p:txBody>
           <a:bodyPr/>
           <a:lstStyle/>

--- a/Presentations/Sept 5 - Class 1.pptx
+++ b/Presentations/Sept 5 - Class 1.pptx
@@ -20,9 +20,8 @@
     <p:sldId id="273" r:id="rId14"/>
     <p:sldId id="274" r:id="rId15"/>
     <p:sldId id="268" r:id="rId16"/>
-    <p:sldId id="269" r:id="rId17"/>
-    <p:sldId id="270" r:id="rId18"/>
-    <p:sldId id="271" r:id="rId19"/>
+    <p:sldId id="270" r:id="rId17"/>
+    <p:sldId id="271" r:id="rId18"/>
   </p:sldIdLst>
   <p:sldSz cx="12192000" cy="6858000"/>
   <p:notesSz cx="6858000" cy="9144000"/>
@@ -264,7 +263,7 @@
           <a:p>
             <a:fld id="{D65F7E7C-9DB5-463E-B359-79A0FA341C43}" type="datetimeFigureOut">
               <a:rPr lang="en-US" smtClean="0"/>
-              <a:t>9/4/2017</a:t>
+              <a:t>9/5/2017</a:t>
             </a:fld>
             <a:endParaRPr lang="en-US"/>
           </a:p>
@@ -434,7 +433,7 @@
           <a:p>
             <a:fld id="{D65F7E7C-9DB5-463E-B359-79A0FA341C43}" type="datetimeFigureOut">
               <a:rPr lang="en-US" smtClean="0"/>
-              <a:t>9/4/2017</a:t>
+              <a:t>9/5/2017</a:t>
             </a:fld>
             <a:endParaRPr lang="en-US"/>
           </a:p>
@@ -614,7 +613,7 @@
           <a:p>
             <a:fld id="{D65F7E7C-9DB5-463E-B359-79A0FA341C43}" type="datetimeFigureOut">
               <a:rPr lang="en-US" smtClean="0"/>
-              <a:t>9/4/2017</a:t>
+              <a:t>9/5/2017</a:t>
             </a:fld>
             <a:endParaRPr lang="en-US"/>
           </a:p>
@@ -784,7 +783,7 @@
           <a:p>
             <a:fld id="{D65F7E7C-9DB5-463E-B359-79A0FA341C43}" type="datetimeFigureOut">
               <a:rPr lang="en-US" smtClean="0"/>
-              <a:t>9/4/2017</a:t>
+              <a:t>9/5/2017</a:t>
             </a:fld>
             <a:endParaRPr lang="en-US"/>
           </a:p>
@@ -1030,7 +1029,7 @@
           <a:p>
             <a:fld id="{D65F7E7C-9DB5-463E-B359-79A0FA341C43}" type="datetimeFigureOut">
               <a:rPr lang="en-US" smtClean="0"/>
-              <a:t>9/4/2017</a:t>
+              <a:t>9/5/2017</a:t>
             </a:fld>
             <a:endParaRPr lang="en-US"/>
           </a:p>
@@ -1262,7 +1261,7 @@
           <a:p>
             <a:fld id="{D65F7E7C-9DB5-463E-B359-79A0FA341C43}" type="datetimeFigureOut">
               <a:rPr lang="en-US" smtClean="0"/>
-              <a:t>9/4/2017</a:t>
+              <a:t>9/5/2017</a:t>
             </a:fld>
             <a:endParaRPr lang="en-US"/>
           </a:p>
@@ -1629,7 +1628,7 @@
           <a:p>
             <a:fld id="{D65F7E7C-9DB5-463E-B359-79A0FA341C43}" type="datetimeFigureOut">
               <a:rPr lang="en-US" smtClean="0"/>
-              <a:t>9/4/2017</a:t>
+              <a:t>9/5/2017</a:t>
             </a:fld>
             <a:endParaRPr lang="en-US"/>
           </a:p>
@@ -1747,7 +1746,7 @@
           <a:p>
             <a:fld id="{D65F7E7C-9DB5-463E-B359-79A0FA341C43}" type="datetimeFigureOut">
               <a:rPr lang="en-US" smtClean="0"/>
-              <a:t>9/4/2017</a:t>
+              <a:t>9/5/2017</a:t>
             </a:fld>
             <a:endParaRPr lang="en-US"/>
           </a:p>
@@ -1842,7 +1841,7 @@
           <a:p>
             <a:fld id="{D65F7E7C-9DB5-463E-B359-79A0FA341C43}" type="datetimeFigureOut">
               <a:rPr lang="en-US" smtClean="0"/>
-              <a:t>9/4/2017</a:t>
+              <a:t>9/5/2017</a:t>
             </a:fld>
             <a:endParaRPr lang="en-US"/>
           </a:p>
@@ -2119,7 +2118,7 @@
           <a:p>
             <a:fld id="{D65F7E7C-9DB5-463E-B359-79A0FA341C43}" type="datetimeFigureOut">
               <a:rPr lang="en-US" smtClean="0"/>
-              <a:t>9/4/2017</a:t>
+              <a:t>9/5/2017</a:t>
             </a:fld>
             <a:endParaRPr lang="en-US"/>
           </a:p>
@@ -2376,7 +2375,7 @@
           <a:p>
             <a:fld id="{D65F7E7C-9DB5-463E-B359-79A0FA341C43}" type="datetimeFigureOut">
               <a:rPr lang="en-US" smtClean="0"/>
-              <a:t>9/4/2017</a:t>
+              <a:t>9/5/2017</a:t>
             </a:fld>
             <a:endParaRPr lang="en-US"/>
           </a:p>
@@ -2589,7 +2588,7 @@
           <a:p>
             <a:fld id="{D65F7E7C-9DB5-463E-B359-79A0FA341C43}" type="datetimeFigureOut">
               <a:rPr lang="en-US" smtClean="0"/>
-              <a:t>9/4/2017</a:t>
+              <a:t>9/5/2017</a:t>
             </a:fld>
             <a:endParaRPr lang="en-US"/>
           </a:p>
@@ -4266,36 +4265,6 @@
           <a:chExt cx="0" cy="0"/>
         </a:xfrm>
       </p:grpSpPr>
-    </p:spTree>
-    <p:extLst>
-      <p:ext uri="{BB962C8B-B14F-4D97-AF65-F5344CB8AC3E}">
-        <p14:creationId xmlns:p14="http://schemas.microsoft.com/office/powerpoint/2010/main" val="705735576"/>
-      </p:ext>
-    </p:extLst>
-  </p:cSld>
-  <p:clrMapOvr>
-    <a:masterClrMapping/>
-  </p:clrMapOvr>
-</p:sld>
-</file>
-
-<file path=ppt/slides/slide17.xml><?xml version="1.0" encoding="utf-8"?>
-<p:sld xmlns:a="http://schemas.openxmlformats.org/drawingml/2006/main" xmlns:r="http://schemas.openxmlformats.org/officeDocument/2006/relationships" xmlns:p="http://schemas.openxmlformats.org/presentationml/2006/main">
-  <p:cSld>
-    <p:spTree>
-      <p:nvGrpSpPr>
-        <p:cNvPr id="1" name=""/>
-        <p:cNvGrpSpPr/>
-        <p:nvPr/>
-      </p:nvGrpSpPr>
-      <p:grpSpPr>
-        <a:xfrm>
-          <a:off x="0" y="0"/>
-          <a:ext cx="0" cy="0"/>
-          <a:chOff x="0" y="0"/>
-          <a:chExt cx="0" cy="0"/>
-        </a:xfrm>
-      </p:grpSpPr>
       <p:sp>
         <p:nvSpPr>
           <p:cNvPr id="2" name="Title 1">
@@ -4319,7 +4288,9 @@
           <a:p>
             <a:pPr algn="ctr"/>
             <a:r>
-              <a:rPr lang="en-US" b="1" dirty="0"/>
+              <a:rPr lang="en-US" b="1" dirty="0">
+                <a:hlinkClick r:id="rId2"/>
+              </a:rPr>
               <a:t>https://cdpn.io/e/ZyrdYG</a:t>
             </a:r>
             <a:br>
@@ -4346,7 +4317,7 @@
 </p:sld>
 </file>
 
-<file path=ppt/slides/slide18.xml><?xml version="1.0" encoding="utf-8"?>
+<file path=ppt/slides/slide17.xml><?xml version="1.0" encoding="utf-8"?>
 <p:sld xmlns:a="http://schemas.openxmlformats.org/drawingml/2006/main" xmlns:r="http://schemas.openxmlformats.org/officeDocument/2006/relationships" xmlns:p="http://schemas.openxmlformats.org/presentationml/2006/main">
   <p:cSld>
     <p:spTree>
@@ -4554,7 +4525,9 @@
           <a:lstStyle/>
           <a:p>
             <a:r>
-              <a:rPr lang="en-US" dirty="0"/>
+              <a:rPr lang="en-US" dirty="0">
+                <a:latin typeface="+mn-lt"/>
+              </a:rPr>
               <a:t>My Name is </a:t>
             </a:r>
             <a:r>
@@ -4588,7 +4561,9 @@
           <a:lstStyle/>
           <a:p>
             <a:r>
-              <a:rPr lang="en-US" dirty="0"/>
+              <a:rPr lang="en-US" dirty="0">
+                <a:latin typeface="+mj-lt"/>
+              </a:rPr>
               <a:t>crhallberg@gmail.com</a:t>
             </a:r>
           </a:p>
@@ -4701,7 +4676,7 @@
           </a:p>
           <a:p>
             <a:r>
-              <a:rPr lang="en-US" dirty="0"/>
+              <a:rPr lang="en-US" b="1" i="1" dirty="0"/>
               <a:t>Make: Getting Started with p5.js</a:t>
             </a:r>
           </a:p>
@@ -4714,7 +4689,7 @@
           </a:p>
           <a:p>
             <a:r>
-              <a:rPr lang="en-US" dirty="0"/>
+              <a:rPr lang="en-US" b="1" i="1" dirty="0"/>
               <a:t>JavaScript: The Good Parts</a:t>
             </a:r>
           </a:p>
@@ -4732,7 +4707,10 @@
           </a:p>
           <a:p>
             <a:r>
-              <a:rPr lang="en-US" dirty="0"/>
+              <a:rPr lang="en-US" b="1" i="1" dirty="0">
+                <a:latin typeface="Source Sans Pro" panose="020B0503030403020204" pitchFamily="34" charset="0"/>
+                <a:ea typeface="Source Sans Pro" panose="020B0503030403020204" pitchFamily="34" charset="0"/>
+              </a:rPr>
               <a:t>The Nature of Code </a:t>
             </a:r>
           </a:p>
@@ -4849,13 +4827,8 @@
           <a:p>
             <a:r>
               <a:rPr lang="en-US" dirty="0"/>
-              <a:t>GitHub: https://github.com/crhallberg</a:t>
-            </a:r>
-            <a:r>
-              <a:rPr lang="en-US"/>
-              <a:t>/IMM120/tree/fall17</a:t>
-            </a:r>
-            <a:endParaRPr lang="en-US" dirty="0"/>
+              <a:t>GitHub: https://github.com/crhallberg/IMM120</a:t>
+            </a:r>
           </a:p>
           <a:p>
             <a:r>
@@ -4953,7 +4926,7 @@
           <a:p>
             <a:r>
               <a:rPr lang="en-US" dirty="0"/>
-              <a:t>There are 14 classes in this semester</a:t>
+              <a:t>There are 13 classes in this semester and a final lab</a:t>
             </a:r>
           </a:p>
           <a:p>
@@ -5403,8 +5376,8 @@
         </p:blipFill>
         <p:spPr bwMode="auto">
           <a:xfrm>
-            <a:off x="4101441" y="1690688"/>
-            <a:ext cx="3989117" cy="5167312"/>
+            <a:off x="6053664" y="0"/>
+            <a:ext cx="5300136" cy="6865544"/>
           </a:xfrm>
           <a:prstGeom prst="rect">
             <a:avLst/>
@@ -5437,7 +5410,7 @@
 <file path=ppt/theme/theme1.xml><?xml version="1.0" encoding="utf-8"?>
 <a:theme xmlns:a="http://schemas.openxmlformats.org/drawingml/2006/main" name="Office Theme">
   <a:themeElements>
-    <a:clrScheme name="Office Theme">
+    <a:clrScheme name="Blue II">
       <a:dk1>
         <a:sysClr val="windowText" lastClr="000000"/>
       </a:dk1>
@@ -5445,106 +5418,46 @@
         <a:sysClr val="window" lastClr="FFFFFF"/>
       </a:lt1>
       <a:dk2>
-        <a:srgbClr val="44546A"/>
+        <a:srgbClr val="335B74"/>
       </a:dk2>
       <a:lt2>
-        <a:srgbClr val="E7E6E6"/>
+        <a:srgbClr val="DFE3E5"/>
       </a:lt2>
       <a:accent1>
-        <a:srgbClr val="4472C4"/>
+        <a:srgbClr val="1CADE4"/>
       </a:accent1>
       <a:accent2>
-        <a:srgbClr val="ED7D31"/>
+        <a:srgbClr val="2683C6"/>
       </a:accent2>
       <a:accent3>
-        <a:srgbClr val="A5A5A5"/>
+        <a:srgbClr val="27CED7"/>
       </a:accent3>
       <a:accent4>
-        <a:srgbClr val="FFC000"/>
+        <a:srgbClr val="42BA97"/>
       </a:accent4>
       <a:accent5>
-        <a:srgbClr val="5B9BD5"/>
+        <a:srgbClr val="3E8853"/>
       </a:accent5>
       <a:accent6>
-        <a:srgbClr val="70AD47"/>
+        <a:srgbClr val="62A39F"/>
       </a:accent6>
       <a:hlink>
-        <a:srgbClr val="0563C1"/>
+        <a:srgbClr val="6EAC1C"/>
       </a:hlink>
       <a:folHlink>
-        <a:srgbClr val="954F72"/>
+        <a:srgbClr val="B26B02"/>
       </a:folHlink>
     </a:clrScheme>
-    <a:fontScheme name="Office Theme">
+    <a:fontScheme name="Source Sans Pro">
       <a:majorFont>
-        <a:latin typeface="Calibri Light" panose="020F0302020204030204"/>
+        <a:latin typeface="Source Sans Pro Black"/>
         <a:ea typeface=""/>
         <a:cs typeface=""/>
-        <a:font script="Jpan" typeface="游ゴシック Light"/>
-        <a:font script="Hang" typeface="맑은 고딕"/>
-        <a:font script="Hans" typeface="等线 Light"/>
-        <a:font script="Hant" typeface="新細明體"/>
-        <a:font script="Arab" typeface="Times New Roman"/>
-        <a:font script="Hebr" typeface="Times New Roman"/>
-        <a:font script="Thai" typeface="Angsana New"/>
-        <a:font script="Ethi" typeface="Nyala"/>
-        <a:font script="Beng" typeface="Vrinda"/>
-        <a:font script="Gujr" typeface="Shruti"/>
-        <a:font script="Khmr" typeface="MoolBoran"/>
-        <a:font script="Knda" typeface="Tunga"/>
-        <a:font script="Guru" typeface="Raavi"/>
-        <a:font script="Cans" typeface="Euphemia"/>
-        <a:font script="Cher" typeface="Plantagenet Cherokee"/>
-        <a:font script="Yiii" typeface="Microsoft Yi Baiti"/>
-        <a:font script="Tibt" typeface="Microsoft Himalaya"/>
-        <a:font script="Thaa" typeface="MV Boli"/>
-        <a:font script="Deva" typeface="Mangal"/>
-        <a:font script="Telu" typeface="Gautami"/>
-        <a:font script="Taml" typeface="Latha"/>
-        <a:font script="Syrc" typeface="Estrangelo Edessa"/>
-        <a:font script="Orya" typeface="Kalinga"/>
-        <a:font script="Mlym" typeface="Kartika"/>
-        <a:font script="Laoo" typeface="DokChampa"/>
-        <a:font script="Sinh" typeface="Iskoola Pota"/>
-        <a:font script="Mong" typeface="Mongolian Baiti"/>
-        <a:font script="Viet" typeface="Times New Roman"/>
-        <a:font script="Uigh" typeface="Microsoft Uighur"/>
-        <a:font script="Geor" typeface="Sylfaen"/>
       </a:majorFont>
       <a:minorFont>
-        <a:latin typeface="Calibri" panose="020F0502020204030204"/>
+        <a:latin typeface="Source Sans Pro"/>
         <a:ea typeface=""/>
         <a:cs typeface=""/>
-        <a:font script="Jpan" typeface="游ゴシック"/>
-        <a:font script="Hang" typeface="맑은 고딕"/>
-        <a:font script="Hans" typeface="等线"/>
-        <a:font script="Hant" typeface="新細明體"/>
-        <a:font script="Arab" typeface="Arial"/>
-        <a:font script="Hebr" typeface="Arial"/>
-        <a:font script="Thai" typeface="Cordia New"/>
-        <a:font script="Ethi" typeface="Nyala"/>
-        <a:font script="Beng" typeface="Vrinda"/>
-        <a:font script="Gujr" typeface="Shruti"/>
-        <a:font script="Khmr" typeface="DaunPenh"/>
-        <a:font script="Knda" typeface="Tunga"/>
-        <a:font script="Guru" typeface="Raavi"/>
-        <a:font script="Cans" typeface="Euphemia"/>
-        <a:font script="Cher" typeface="Plantagenet Cherokee"/>
-        <a:font script="Yiii" typeface="Microsoft Yi Baiti"/>
-        <a:font script="Tibt" typeface="Microsoft Himalaya"/>
-        <a:font script="Thaa" typeface="MV Boli"/>
-        <a:font script="Deva" typeface="Mangal"/>
-        <a:font script="Telu" typeface="Gautami"/>
-        <a:font script="Taml" typeface="Latha"/>
-        <a:font script="Syrc" typeface="Estrangelo Edessa"/>
-        <a:font script="Orya" typeface="Kalinga"/>
-        <a:font script="Mlym" typeface="Kartika"/>
-        <a:font script="Laoo" typeface="DokChampa"/>
-        <a:font script="Sinh" typeface="Iskoola Pota"/>
-        <a:font script="Mong" typeface="Mongolian Baiti"/>
-        <a:font script="Viet" typeface="Arial"/>
-        <a:font script="Uigh" typeface="Microsoft Uighur"/>
-        <a:font script="Geor" typeface="Sylfaen"/>
       </a:minorFont>
     </a:fontScheme>
     <a:fmtScheme name="Office Theme">

--- a/Presentations/Sept 5 - Class 1.pptx
+++ b/Presentations/Sept 5 - Class 1.pptx
@@ -22,6 +22,7 @@
     <p:sldId id="268" r:id="rId16"/>
     <p:sldId id="270" r:id="rId17"/>
     <p:sldId id="271" r:id="rId18"/>
+    <p:sldId id="276" r:id="rId19"/>
   </p:sldIdLst>
   <p:sldSz cx="12192000" cy="6858000"/>
   <p:notesSz cx="6858000" cy="9144000"/>
@@ -130,6 +131,36 @@
 
 <file path=ppt/revisionInfo.xml><?xml version="1.0" encoding="utf-8"?>
 <p1510:revInfo xmlns:a="http://schemas.openxmlformats.org/drawingml/2006/main" xmlns:r="http://schemas.openxmlformats.org/officeDocument/2006/relationships" xmlns:p1510="http://schemas.microsoft.com/office/powerpoint/2015/10/main"/>
+</file>
+
+<file path=ppt/ink/ink1.xml><?xml version="1.0" encoding="utf-8"?>
+<inkml:ink xmlns:inkml="http://www.w3.org/2003/InkML">
+  <inkml:definitions>
+    <inkml:context xml:id="ctx0">
+      <inkml:inkSource xml:id="inkSrc0">
+        <inkml:traceFormat>
+          <inkml:channel name="X" type="integer" max="3286" units="cm"/>
+          <inkml:channel name="Y" type="integer" max="1080" units="cm"/>
+          <inkml:channel name="T" type="integer" max="2.14748E9" units="dev"/>
+        </inkml:traceFormat>
+        <inkml:channelProperties>
+          <inkml:channelProperty channel="X" name="resolution" value="68.17427" units="1/cm"/>
+          <inkml:channelProperty channel="Y" name="resolution" value="39.8524" units="1/cm"/>
+          <inkml:channelProperty channel="T" name="resolution" value="1" units="1/dev"/>
+        </inkml:channelProperties>
+      </inkml:inkSource>
+      <inkml:timestamp xml:id="ts0" timeString="2017-09-05T23:02:09.224"/>
+    </inkml:context>
+    <inkml:brush xml:id="br0">
+      <inkml:brushProperty name="width" value="0.05292" units="cm"/>
+      <inkml:brushProperty name="height" value="0.05292" units="cm"/>
+      <inkml:brushProperty name="color" value="#FF0000"/>
+    </inkml:brush>
+  </inkml:definitions>
+  <inkml:trace contextRef="#ctx0" brushRef="#br0">18779 13195 0,'0'40'78,"80"-40"-62,81 40 0,120-40-16,160 0 15,-120 0-15,40 0 0,281 0 16,-361 0-1,-120 0-15,280 0 16,-361 0-16,1 0 16,39 0-16,-80 0 15,40 0-15,1 0 16,-1 0-16,-80 0 15,201 0 1,-161 0-16,0 0 0,201 0 16,-201 0-16,0 0 15,80 0 1,-40 0-16,-39 0 0,39 0 15,0 0 1,-40 0-16,81 0 16,-121 0-16,120 40 0,0-40 15,-80 0 1,41 40-16,39-40 15,161 40-15,-201-40 16,321 80-16,-280-80 16,39 0-16,282 121 15,-322-121-15,1 0 16,-81 0-16,80 0 15,-40 0-15,1 0 16,39 0-16,-80 0 16,80 0-16,161 40 15,-200-40 1,-41 0-16,281 0 15,-201 0-15,-80 0 0,121 0 16,-81 0 0,-40 0-16,80 40 15,-39-40-15,39 0 0,41 0 16,-41 80-1,-40-80-15,81 0 16,-121 0-16,0 0 16,0 0-1,0 0 1,0 0-16,-40 0 0,81 0 15,39 0 1,-80-40-16,0 40 0,0 0 16,121 0-1,-81-80-15,-80 80 16,40 0-1,0 0 1,1 0 0,-41 0-16,40 0 15,0 0-15,0 0 16,0-40-1,0 40-15,0 0 16,0 0 0,1-41-16,39 41 15,-40-40-15,0 40 16,0 0-16,-40-40 15,80 40-15,-39 0 16,-41 0 0,40 0-16,0 0 15,0 0-15,40-120 0,-40 120 16,-40 0-16,40 0 15,-40 0 17,81 0-1,-81 0-16,40 0-15,-40 0 16,80 0-16,-80-40 16,40 40-16,-40 0 15,80 0 1,-80 0 62</inkml:trace>
+  <inkml:trace contextRef="#ctx0" brushRef="#br0" timeOffset="2798.5">30295 13315 0,'-240'0'0,"39"0"0,-120 0 16,-281 0-1,321 0-15,-40 40 16,-521 40-16,-41-80 16,602 0-16,-281 40 15,402-40-15,-1 0 16,-80 0-16,201 0 15,-80 0-15,80 0 16,-81 0 0,121 0-16,-80 0 0,-80 0 15,39 0 1,41 0-16,-241 0 15,201 0-15,39 0 16,-79 0-16,-402 0 16,402 0-16,-81 0 0,-441-120 15,441 120 1,80 0-16,-240-120 15,361 120-15,0 0 0,40 0 63,401 0-48,0 0-15,41 0 0,681 0 16,-721 0-16,-122 0 16,82 0-1,-322 0-15,-40 0 47,0 0-47,-121 0 16,-200 0-16,81 0 0,-81 0 15,-602 0 1,521-81-16,122 81 15,-483-80-15,482 40 16,40-40-16,-80 80 16,201 0-16,80 0 15,40 0 48,361 0-48,-40 40 1,80 0-16,883 121 15,-842-121-15,-81 40 16,441 40-16,-681-80 16,-81-40-16,-40 0 62,0 0-62,-241 0 0,-40 0 16,-441 0-1,281 0-15,-41 0 0,-521 0 16,722 0-16,40 0 15,-120 0 1,361 0 31,0 40-47,121 0 0,280 41 15,-201-41 1,1 0-16,80 40 16,321 0-16,-321-80 15,-81 40-15,121 41 16,-280-81-16,-41 0 47,-81 0-32,-521-81-15,241 1 16,80 0-16,-401 0 15,562 40 1,-81 0-16,121-1 16,80 41 15,160 0-16,121 0-15,80 0 0,603 0 16,-483 0 0,41 0-16,280 0 15,-401 0-15,-280 0 0,120 0 16,-201 0-1,-40-40 48,0 40-48,0-40 1,40 40 46,120 0-62,81 0 0,160 0 16,522-80 0,-521 80-16,-162 0 0,322-40 15,-482 0 1,-40 0-16,-40 0 78,0 40-78,0 0 15,-40 0-15,-321 0 16,281 0-16,0 0 16,-81 0-1,161 0 32,0 0-47,361 0 16,-160 0-1,0 0-15,400 0 16,-440 0-16,40 0 0,240 0 15,-361 0 1,-40 0-16,1-40 47,-41 40-32,-41 0-15,-39 0 16,-602-161 0,361 121-16,0 0 0,-441 0 15,601 0-15,81 40 16,0 0-1,80 0 1,0-40 0,160 40-1,-40 0-15,81 0 16,521 120-16,-481-80 15,-80-40-15,240 80 16,-321-40-16,-40 0 16,0-40-16,-40 41 124,0-1-108,0-40 0,0 40-16,-40 0 31,40 0 0,0 0-15,0-40-16,0 40 15,40 0-15,41-40 16,200 80-1,-161-80-15,-80 0 0,80 0 16,-79 0-16</inkml:trace>
+  <inkml:trace contextRef="#ctx0" brushRef="#br0" timeOffset="7622">17375 13114 0,'160'0'94,"362"0"-79,-321 0-15,120-40 0,200 40 16,-400 0 0,-1 0-16,-40 0 15,-80 0 32,-80 0-31,-361 0-16,160 0 15,-121 0-15,-200 0 16,362 80-16,39-80 15,-80 81 1,161-81-16,200 0 31,40 0-15,41 0-16,120 0 0,281 0 15,-161 0 1,-120 0-16,642 0 16,-683 0-16,122 0 15,79 0-15,-321 0 16,-120 0-16,-80 0 31,-80 0-31,39 0 16,-79 0-16,-402 0 15,321 0-15,0 0 16,-281 0-16,281 0 15,121 0-15,-81 0 16,241 0 15,281 0-15,0 0-1,-121 0-15,723 0 16,-442 0-16,1 0 0,802 0 16,-803 0-1,-120 40-15,241 40 16,-482-40-16,-200-40 31,-402 0-15,121 0-16,-41 0 15,-962 0 1,802 0-16,121 0 0,-603-40 15,924 0-15,39 0 16,81-40 0,120 39-1,201 41-15,0 0 0,0 0 16,963 0-1,-722 0-15,80 0 0,1203 0 16,-1203 0 0,-201 0-16,-39 0 15,199 0-15,-561 0 16,40-40-16,-40 40 15,-40 0-15,-160-80 16,-442-40-16,321 120 16,-241-121-16,-762 81 15,521 40-15,322-40 16,79 0-16,-641-160 15,802 200-15,81 0 16,160 0 0,40 0-16,562 0 15,-281 40 1,80 0-16,1365 241 15,-964-241-15,161 120 0,1646 281 16,-1646-320 0,-362-81-16,764 281 15,-1004-201-15,-241-120 0,-80 40 31,-40-40-15,-321-40-16,0 0 0,-722-241 16,562 201-1,-41 40-15,-923-201 16,1004 201-16,0 40 15,-242-160 1,563 160-16,40 0 0,80 0 47,120 0-47,41 0 0,601 40 15,-321 0-15,-39 0 16,922 160 0,-883-200-16,-39 0 15,360 40-15,-602-40 16,-39 0-16,-201 0 47,-522-40-32,200 40-15,41-80 16,-963 40-16,923-40 15,-41 80-15,-320-120 16,602 120 0,160 0-16,0 0 15,280 0 1,41 0-1,121 0-15,681-201 16,-761 201-16,79 0 16,562 80-16,-682-80 15,-80 0-15,-81 40 16,-240-40 31,-201 0-32,-642 0 1,482 0-16,0 40 0,-362-40 15,522 0-15,161 0 16,120 0 15,200 0-31,121 0 0,81 0 16,801 0-1,-601 0-15,-160 0 0,641 0 16,-842 0 0,-121 0-16,-200 0 62,80 0-62,-120 0 0,120 0 16,-161 41-16,81-41 15,40 0-15,40 0 16</inkml:trace>
+</inkml:ink>
 </file>
 
 <file path=ppt/slideLayouts/slideLayout1.xml><?xml version="1.0" encoding="utf-8"?>
@@ -3011,11 +3042,13 @@
         </p:nvSpPr>
         <p:spPr/>
         <p:txBody>
-          <a:bodyPr/>
-          <a:lstStyle/>
-          <a:p>
-            <a:r>
-              <a:rPr lang="en-US" dirty="0"/>
+          <a:bodyPr>
+            <a:normAutofit/>
+          </a:bodyPr>
+          <a:lstStyle/>
+          <a:p>
+            <a:r>
+              <a:rPr lang="en-US" sz="8800" dirty="0"/>
               <a:t>IMM 120 / CSC 101</a:t>
             </a:r>
           </a:p>
@@ -4357,7 +4390,7 @@
           <a:p>
             <a:r>
               <a:rPr lang="en-US" dirty="0"/>
-              <a:t>Questions?</a:t>
+              <a:t>Homework</a:t>
             </a:r>
           </a:p>
         </p:txBody>
@@ -4384,16 +4417,170 @@
           <a:lstStyle/>
           <a:p>
             <a:r>
-              <a:rPr lang="en-US"/>
-              <a:t>Minute Surveys</a:t>
-            </a:r>
-          </a:p>
-        </p:txBody>
-      </p:sp>
+              <a:rPr lang="en-US" b="1" dirty="0"/>
+              <a:t>Take your house and email me the link and the exported zip of your project.</a:t>
+            </a:r>
+          </a:p>
+          <a:p>
+            <a:r>
+              <a:rPr lang="en-US" dirty="0"/>
+              <a:t>crhallberg@gmail.com</a:t>
+            </a:r>
+          </a:p>
+        </p:txBody>
+      </p:sp>
+      <mc:AlternateContent xmlns:mc="http://schemas.openxmlformats.org/markup-compatibility/2006">
+        <mc:Choice xmlns:p14="http://schemas.microsoft.com/office/powerpoint/2010/main" Requires="p14">
+          <p:contentPart p14:bwMode="auto" r:id="rId2">
+            <p14:nvContentPartPr>
+              <p14:cNvPr id="4" name="Ink 3">
+                <a:extLst>
+                  <a:ext uri="{FF2B5EF4-FFF2-40B4-BE49-F238E27FC236}">
+                    <a16:creationId xmlns:a16="http://schemas.microsoft.com/office/drawing/2014/main" id="{2C54611B-DD8D-4366-988F-3D0AC1D4DEDC}"/>
+                  </a:ext>
+                </a:extLst>
+              </p14:cNvPr>
+              <p14:cNvContentPartPr/>
+              <p14:nvPr/>
+            </p14:nvContentPartPr>
+            <p14:xfrm>
+              <a:off x="6038280" y="4490280"/>
+              <a:ext cx="4983840" cy="592200"/>
+            </p14:xfrm>
+          </p:contentPart>
+        </mc:Choice>
+        <mc:Fallback>
+          <p:pic>
+            <p:nvPicPr>
+              <p:cNvPr id="4" name="Ink 3">
+                <a:extLst>
+                  <a:ext uri="{FF2B5EF4-FFF2-40B4-BE49-F238E27FC236}">
+                    <a16:creationId xmlns:a16="http://schemas.microsoft.com/office/drawing/2014/main" id="{2C54611B-DD8D-4366-988F-3D0AC1D4DEDC}"/>
+                  </a:ext>
+                </a:extLst>
+              </p:cNvPr>
+              <p:cNvPicPr/>
+              <p:nvPr/>
+            </p:nvPicPr>
+            <p:blipFill>
+              <a:blip r:embed="rId3"/>
+              <a:stretch>
+                <a:fillRect/>
+              </a:stretch>
+            </p:blipFill>
+            <p:spPr>
+              <a:xfrm>
+                <a:off x="6028920" y="4480920"/>
+                <a:ext cx="5002560" cy="610920"/>
+              </a:xfrm>
+              <a:prstGeom prst="rect">
+                <a:avLst/>
+              </a:prstGeom>
+            </p:spPr>
+          </p:pic>
+        </mc:Fallback>
+      </mc:AlternateContent>
     </p:spTree>
     <p:extLst>
       <p:ext uri="{BB962C8B-B14F-4D97-AF65-F5344CB8AC3E}">
         <p14:creationId xmlns:p14="http://schemas.microsoft.com/office/powerpoint/2010/main" val="3901483543"/>
+      </p:ext>
+    </p:extLst>
+  </p:cSld>
+  <p:clrMapOvr>
+    <a:masterClrMapping/>
+  </p:clrMapOvr>
+</p:sld>
+</file>
+
+<file path=ppt/slides/slide18.xml><?xml version="1.0" encoding="utf-8"?>
+<p:sld xmlns:a="http://schemas.openxmlformats.org/drawingml/2006/main" xmlns:r="http://schemas.openxmlformats.org/officeDocument/2006/relationships" xmlns:p="http://schemas.openxmlformats.org/presentationml/2006/main">
+  <p:cSld>
+    <p:spTree>
+      <p:nvGrpSpPr>
+        <p:cNvPr id="1" name=""/>
+        <p:cNvGrpSpPr/>
+        <p:nvPr/>
+      </p:nvGrpSpPr>
+      <p:grpSpPr>
+        <a:xfrm>
+          <a:off x="0" y="0"/>
+          <a:ext cx="0" cy="0"/>
+          <a:chOff x="0" y="0"/>
+          <a:chExt cx="0" cy="0"/>
+        </a:xfrm>
+      </p:grpSpPr>
+      <p:sp>
+        <p:nvSpPr>
+          <p:cNvPr id="2" name="Title 1">
+            <a:extLst>
+              <a:ext uri="{FF2B5EF4-FFF2-40B4-BE49-F238E27FC236}">
+                <a16:creationId xmlns:a16="http://schemas.microsoft.com/office/drawing/2014/main" id="{752C0DAF-0B82-4FCE-9C11-6493D6D01B25}"/>
+              </a:ext>
+            </a:extLst>
+          </p:cNvPr>
+          <p:cNvSpPr>
+            <a:spLocks noGrp="1"/>
+          </p:cNvSpPr>
+          <p:nvPr>
+            <p:ph type="title"/>
+          </p:nvPr>
+        </p:nvSpPr>
+        <p:spPr/>
+        <p:txBody>
+          <a:bodyPr/>
+          <a:lstStyle/>
+          <a:p>
+            <a:r>
+              <a:rPr lang="en-US" dirty="0"/>
+              <a:t>Minute Surveys</a:t>
+            </a:r>
+          </a:p>
+        </p:txBody>
+      </p:sp>
+      <p:sp>
+        <p:nvSpPr>
+          <p:cNvPr id="3" name="Text Placeholder 2">
+            <a:extLst>
+              <a:ext uri="{FF2B5EF4-FFF2-40B4-BE49-F238E27FC236}">
+                <a16:creationId xmlns:a16="http://schemas.microsoft.com/office/drawing/2014/main" id="{975CA82D-3B2D-4BD6-A5FB-3D7D4210637B}"/>
+              </a:ext>
+            </a:extLst>
+          </p:cNvPr>
+          <p:cNvSpPr>
+            <a:spLocks noGrp="1"/>
+          </p:cNvSpPr>
+          <p:nvPr>
+            <p:ph type="body" idx="1"/>
+          </p:nvPr>
+        </p:nvSpPr>
+        <p:spPr>
+          <a:xfrm>
+            <a:off x="831849" y="4589463"/>
+            <a:ext cx="11480353" cy="1500187"/>
+          </a:xfrm>
+        </p:spPr>
+        <p:txBody>
+          <a:bodyPr/>
+          <a:lstStyle/>
+          <a:p>
+            <a:r>
+              <a:rPr lang="en-US" dirty="0"/>
+              <a:t>Once you hand in your survey, you may go.</a:t>
+            </a:r>
+          </a:p>
+          <a:p>
+            <a:r>
+              <a:rPr lang="en-US" b="1" dirty="0"/>
+              <a:t>If you have questions or concerns, I will stay and answer them for as long as I can.</a:t>
+            </a:r>
+          </a:p>
+        </p:txBody>
+      </p:sp>
+    </p:spTree>
+    <p:extLst>
+      <p:ext uri="{BB962C8B-B14F-4D97-AF65-F5344CB8AC3E}">
+        <p14:creationId xmlns:p14="http://schemas.microsoft.com/office/powerpoint/2010/main" val="1698935382"/>
       </p:ext>
     </p:extLst>
   </p:cSld>
